--- a/NBase/_Md/_Index/_TGUniversitet/I_kurs/+Проектная_деятельность_1_pdf/1. Формирование образа для генерации идей/_Контрольные мероприятия/Практические_задания/задание_1/Структура презентации.v.1.0.1.pptx
+++ b/NBase/_Md/_Index/_TGUniversitet/I_kurs/+Проектная_деятельность_1_pdf/1. Формирование образа для генерации идей/_Контрольные мероприятия/Практические_задания/задание_1/Структура презентации.v.1.0.1.pptx
@@ -6043,6 +6043,24 @@
               </a:rPr>
               <a:t>, где все заинтересованные стороны имеют возможность вносить полезные изменения в проект с одобрения всех заинтересованных сторон. </a:t>
             </a:r>
+            <a:r>
+              <a:rPr lang="en-US" sz="2400" dirty="0">
+                <a:solidFill>
+                  <a:srgbClr val="707070"/>
+                </a:solidFill>
+                <a:ea typeface="Roboto Cn" pitchFamily="2" charset="0"/>
+              </a:rPr>
+              <a:t>Open Source </a:t>
+            </a:r>
+            <a:r>
+              <a:rPr lang="ru-RU" sz="2400" dirty="0">
+                <a:solidFill>
+                  <a:srgbClr val="707070"/>
+                </a:solidFill>
+                <a:ea typeface="Roboto Cn" pitchFamily="2" charset="0"/>
+              </a:rPr>
+              <a:t>единственная концепция отвечающая на данный момент всем требованиям к конечному продукту – ее и возьмем в качестве платформы проекта.</a:t>
+            </a:r>
           </a:p>
           <a:p>
             <a:pPr marL="0" indent="0">
@@ -6202,7 +6220,7 @@
                 <a:ea typeface="Roboto Cn" pitchFamily="2" charset="0"/>
                 <a:cs typeface="Times New Roman" pitchFamily="18" charset="0"/>
               </a:rPr>
-              <a:t>Секреты успешной презентации</a:t>
+              <a:t>Анализ аналогичных предложений</a:t>
             </a:r>
             <a:endParaRPr lang="ru-RU" sz="2800" b="0" i="0" u="none" dirty="0">
               <a:solidFill>
@@ -6226,8 +6244,8 @@
         </p:nvSpPr>
         <p:spPr>
           <a:xfrm>
-            <a:off x="1138687" y="3008314"/>
-            <a:ext cx="5576438" cy="1106486"/>
+            <a:off x="622128" y="1687285"/>
+            <a:ext cx="11212286" cy="4419600"/>
           </a:xfrm>
         </p:spPr>
         <p:txBody>
@@ -6252,44 +6270,7 @@
                 </a:solidFill>
                 <a:ea typeface="Roboto Cn" pitchFamily="2" charset="0"/>
               </a:rPr>
-              <a:t>Есть ли у проекта прямые или косвенные конкуренты?</a:t>
-            </a:r>
-          </a:p>
-          <a:p>
-            <a:pPr marL="0" indent="0">
-              <a:lnSpc>
-                <a:spcPct val="150000"/>
-              </a:lnSpc>
-              <a:spcBef>
-                <a:spcPts val="0"/>
-              </a:spcBef>
-              <a:buNone/>
-            </a:pPr>
-            <a:endParaRPr lang="ru-RU" sz="2400" dirty="0">
-              <a:solidFill>
-                <a:srgbClr val="707070"/>
-              </a:solidFill>
-              <a:ea typeface="Roboto Cn" pitchFamily="2" charset="0"/>
-            </a:endParaRPr>
-          </a:p>
-          <a:p>
-            <a:pPr marL="0" indent="0">
-              <a:lnSpc>
-                <a:spcPct val="150000"/>
-              </a:lnSpc>
-              <a:spcBef>
-                <a:spcPts val="0"/>
-              </a:spcBef>
-              <a:buNone/>
-            </a:pPr>
-            <a:r>
-              <a:rPr lang="ru-RU" sz="2400" dirty="0">
-                <a:solidFill>
-                  <a:srgbClr val="707070"/>
-                </a:solidFill>
-                <a:ea typeface="Roboto Cn" pitchFamily="2" charset="0"/>
-              </a:rPr>
-              <a:t>Чем ваш продукт лучше конкурентов? </a:t>
+              <a:t>У проекта на рынке есть только косвенные конкуренты – 1С , Битрикс24. Древние (по программистским меркам) нерасширяемые неподдерживаемые пользователем, которые полностью зависят от квалифицированности латающих то тут то там обваливающихся приложений. Программисты написали эти приложения что бы получить деньги – и перекладывать на них ответственность за то, что приложения никогда не будут способствовать развитию вашего бизнеса – разумно ли? Алфавит был не всегда, но всеобщая грамотность есть условие прогресса цивилизации. Так почему же с программированием мы пока в каменном веке?</a:t>
             </a:r>
           </a:p>
         </p:txBody>
@@ -6304,8 +6285,8 @@
         </p:nvSpPr>
         <p:spPr>
           <a:xfrm>
-            <a:off x="2397492" y="1591469"/>
-            <a:ext cx="7661559" cy="796925"/>
+            <a:off x="2397492" y="468313"/>
+            <a:ext cx="7661559" cy="1920082"/>
           </a:xfrm>
           <a:prstGeom prst="rect">
             <a:avLst/>
@@ -6352,7 +6333,7 @@
                 <a:ea typeface="Roboto Cn" pitchFamily="2" charset="0"/>
                 <a:cs typeface="Times New Roman" pitchFamily="18" charset="0"/>
               </a:rPr>
-              <a:t>КОНКУРЕНТНОЕ ПРЕИМУЩЕСТВО</a:t>
+              <a:t>Другой подход</a:t>
             </a:r>
             <a:endParaRPr lang="ru-RU" sz="3500" dirty="0">
               <a:solidFill>
@@ -6433,7 +6414,7 @@
                 <a:ea typeface="Roboto Cn" pitchFamily="2" charset="0"/>
                 <a:cs typeface="Times New Roman" pitchFamily="18" charset="0"/>
               </a:rPr>
-              <a:t>Секреты успешной презентации</a:t>
+              <a:t>Новые шаги вперед</a:t>
             </a:r>
             <a:endParaRPr lang="ru-RU" sz="2800" b="0" i="0" u="none" dirty="0">
               <a:solidFill>
@@ -6457,8 +6438,8 @@
         </p:nvSpPr>
         <p:spPr>
           <a:xfrm>
-            <a:off x="1138687" y="3008314"/>
-            <a:ext cx="5576438" cy="1106486"/>
+            <a:off x="1138686" y="1894114"/>
+            <a:ext cx="9844999" cy="2220686"/>
           </a:xfrm>
         </p:spPr>
         <p:txBody>
@@ -6483,7 +6464,25 @@
                 </a:solidFill>
                 <a:ea typeface="Roboto Cn" pitchFamily="2" charset="0"/>
               </a:rPr>
-              <a:t>Отразите основные этапы проекта:</a:t>
+              <a:t>1 этап: Создание национального сервера </a:t>
+            </a:r>
+            <a:r>
+              <a:rPr lang="en-US" sz="2400" dirty="0">
+                <a:solidFill>
+                  <a:srgbClr val="707070"/>
+                </a:solidFill>
+                <a:ea typeface="Roboto Cn" pitchFamily="2" charset="0"/>
+              </a:rPr>
+              <a:t>Git </a:t>
+            </a:r>
+            <a:r>
+              <a:rPr lang="ru-RU" sz="2400" dirty="0">
+                <a:solidFill>
+                  <a:srgbClr val="707070"/>
+                </a:solidFill>
+                <a:ea typeface="Roboto Cn" pitchFamily="2" charset="0"/>
+              </a:rPr>
+              <a:t>в пределах суверенного российского интернета</a:t>
             </a:r>
           </a:p>
           <a:p>
@@ -6503,7 +6502,62 @@
                 </a:solidFill>
                 <a:ea typeface="Roboto Cn" pitchFamily="2" charset="0"/>
               </a:rPr>
-              <a:t>1 этап…</a:t>
+              <a:t>2 этап: Выбор стартовых технологий соответствующим максимальным требованиям </a:t>
+            </a:r>
+            <a:r>
+              <a:rPr lang="en-US" sz="2400" dirty="0">
+                <a:solidFill>
+                  <a:srgbClr val="707070"/>
+                </a:solidFill>
+                <a:ea typeface="Roboto Cn" pitchFamily="2" charset="0"/>
+              </a:rPr>
+              <a:t>IT </a:t>
+            </a:r>
+            <a:r>
+              <a:rPr lang="ru-RU" sz="2400" dirty="0">
+                <a:solidFill>
+                  <a:srgbClr val="707070"/>
+                </a:solidFill>
+                <a:ea typeface="Roboto Cn" pitchFamily="2" charset="0"/>
+              </a:rPr>
+              <a:t>отрасли ( на сегодняшний день это</a:t>
+            </a:r>
+            <a:r>
+              <a:rPr lang="en-US" sz="2400" dirty="0">
+                <a:solidFill>
+                  <a:srgbClr val="707070"/>
+                </a:solidFill>
+                <a:ea typeface="Roboto Cn" pitchFamily="2" charset="0"/>
+              </a:rPr>
+              <a:t> Open Source</a:t>
+            </a:r>
+            <a:r>
+              <a:rPr lang="ru-RU" sz="2400" dirty="0">
+                <a:solidFill>
+                  <a:srgbClr val="707070"/>
+                </a:solidFill>
+                <a:ea typeface="Roboto Cn" pitchFamily="2" charset="0"/>
+              </a:rPr>
+              <a:t> </a:t>
+            </a:r>
+            <a:r>
+              <a:rPr lang="en-US" sz="2400" dirty="0">
+                <a:solidFill>
+                  <a:srgbClr val="707070"/>
+                </a:solidFill>
+                <a:ea typeface="Roboto Cn" pitchFamily="2" charset="0"/>
+                <a:hlinkClick r:id="rId2"/>
+              </a:rPr>
+              <a:t>https://github.com/metarhia</a:t>
+            </a:r>
+            <a:r>
+              <a:rPr lang="ru-RU" sz="2400" dirty="0">
+                <a:solidFill>
+                  <a:srgbClr val="707070"/>
+                </a:solidFill>
+                <a:ea typeface="Roboto Cn" pitchFamily="2" charset="0"/>
+              </a:rPr>
+              <a:t> )</a:t>
             </a:r>
           </a:p>
           <a:p>
@@ -6523,27 +6577,7 @@
                 </a:solidFill>
                 <a:ea typeface="Roboto Cn" pitchFamily="2" charset="0"/>
               </a:rPr>
-              <a:t>2 этап…</a:t>
-            </a:r>
-          </a:p>
-          <a:p>
-            <a:pPr marL="0" indent="0">
-              <a:lnSpc>
-                <a:spcPct val="150000"/>
-              </a:lnSpc>
-              <a:spcBef>
-                <a:spcPts val="0"/>
-              </a:spcBef>
-              <a:buNone/>
-            </a:pPr>
-            <a:r>
-              <a:rPr lang="ru-RU" sz="2400" dirty="0">
-                <a:solidFill>
-                  <a:srgbClr val="707070"/>
-                </a:solidFill>
-                <a:ea typeface="Roboto Cn" pitchFamily="2" charset="0"/>
-              </a:rPr>
-              <a:t>3 этап…</a:t>
+              <a:t>3 этап: создание ядра предприятия и модулей к нему – в сумме составляющих унифицированную информационную основу предприятия.</a:t>
             </a:r>
           </a:p>
         </p:txBody>
@@ -6558,8 +6592,8 @@
         </p:nvSpPr>
         <p:spPr>
           <a:xfrm>
-            <a:off x="1691665" y="1548607"/>
-            <a:ext cx="9073213" cy="796925"/>
+            <a:off x="1691665" y="751115"/>
+            <a:ext cx="9073213" cy="1594418"/>
           </a:xfrm>
           <a:prstGeom prst="rect">
             <a:avLst/>
@@ -6606,7 +6640,7 @@
                 <a:ea typeface="Roboto Cn" pitchFamily="2" charset="0"/>
                 <a:cs typeface="Times New Roman" pitchFamily="18" charset="0"/>
               </a:rPr>
-              <a:t>ОСНОВНЫЕ ЭТАПЫ РЕАЛИЗАЦИИ ПРОЕКТА</a:t>
+              <a:t>ОСНОВНЫЕ ЭТАПЫ РЕАЛИЗАЦИИ</a:t>
             </a:r>
             <a:endParaRPr lang="ru-RU" sz="3500" dirty="0">
               <a:solidFill>
@@ -6660,8 +6694,8 @@
         </p:nvSpPr>
         <p:spPr>
           <a:xfrm>
-            <a:off x="1138687" y="468313"/>
-            <a:ext cx="10179170" cy="796925"/>
+            <a:off x="1138687" y="1"/>
+            <a:ext cx="10179170" cy="1265238"/>
           </a:xfrm>
         </p:spPr>
         <p:txBody>
@@ -6687,7 +6721,7 @@
                 <a:ea typeface="Roboto Cn" pitchFamily="2" charset="0"/>
                 <a:cs typeface="Times New Roman" pitchFamily="18" charset="0"/>
               </a:rPr>
-              <a:t>Секреты успешной презентации</a:t>
+              <a:t>Если это нужно всем</a:t>
             </a:r>
             <a:endParaRPr lang="ru-RU" sz="2800" b="0" i="0" u="none" dirty="0">
               <a:solidFill>
@@ -6711,8 +6745,8 @@
         </p:nvSpPr>
         <p:spPr>
           <a:xfrm>
-            <a:off x="1138687" y="3008314"/>
-            <a:ext cx="6433688" cy="1106486"/>
+            <a:off x="631372" y="1265239"/>
+            <a:ext cx="11092542" cy="4648864"/>
           </a:xfrm>
         </p:spPr>
         <p:txBody>
@@ -6737,36 +6771,17 @@
                 </a:solidFill>
                 <a:ea typeface="Roboto Cn" pitchFamily="2" charset="0"/>
               </a:rPr>
-              <a:t>Как планируете продвигать проект?</a:t>
-            </a:r>
-          </a:p>
-          <a:p>
-            <a:pPr marL="0" indent="0">
-              <a:lnSpc>
-                <a:spcPct val="150000"/>
-              </a:lnSpc>
-              <a:spcBef>
-                <a:spcPts val="0"/>
-              </a:spcBef>
-              <a:buNone/>
-            </a:pPr>
-            <a:endParaRPr lang="ru-RU" sz="2400" dirty="0">
-              <a:solidFill>
-                <a:srgbClr val="707070"/>
-              </a:solidFill>
-              <a:ea typeface="Roboto Cn" pitchFamily="2" charset="0"/>
-            </a:endParaRPr>
-          </a:p>
-          <a:p>
-            <a:pPr marL="0" indent="0">
-              <a:lnSpc>
-                <a:spcPct val="150000"/>
-              </a:lnSpc>
-              <a:spcBef>
-                <a:spcPts val="0"/>
-              </a:spcBef>
-              <a:buNone/>
-            </a:pPr>
+              <a:t>Инициативная группа пишет первые версии ядра и модулей. Поскольку государство изначально  привлекается для формирования национальной </a:t>
+            </a:r>
+            <a:r>
+              <a:rPr lang="en-US" sz="2400" dirty="0">
+                <a:solidFill>
+                  <a:srgbClr val="707070"/>
+                </a:solidFill>
+                <a:ea typeface="Roboto Cn" pitchFamily="2" charset="0"/>
+              </a:rPr>
+              <a:t>Git </a:t>
+            </a:r>
             <a:r>
               <a:rPr lang="ru-RU" sz="2400" dirty="0">
                 <a:solidFill>
@@ -6774,7 +6789,43 @@
                 </a:solidFill>
                 <a:ea typeface="Roboto Cn" pitchFamily="2" charset="0"/>
               </a:rPr>
-              <a:t>Как расширять продукт по территории и по ассортименту?</a:t>
+              <a:t>площадки и заинтересовано в унифицированном </a:t>
+            </a:r>
+            <a:r>
+              <a:rPr lang="en-US" sz="2400" dirty="0">
+                <a:solidFill>
+                  <a:srgbClr val="707070"/>
+                </a:solidFill>
+                <a:ea typeface="Roboto Cn" pitchFamily="2" charset="0"/>
+              </a:rPr>
+              <a:t>API </a:t>
+            </a:r>
+            <a:r>
+              <a:rPr lang="ru-RU" sz="2400" dirty="0">
+                <a:solidFill>
+                  <a:srgbClr val="707070"/>
+                </a:solidFill>
+                <a:ea typeface="Roboto Cn" pitchFamily="2" charset="0"/>
+              </a:rPr>
+              <a:t>для интеграции предприятия в цифровую экономику (и между собой), им же и обеспечивается начальная мотивация бизнеса. Растущая образованность предпринимателей, вынужденная </a:t>
+            </a:r>
+            <a:r>
+              <a:rPr lang="ru-RU" sz="2400" dirty="0" err="1">
+                <a:solidFill>
+                  <a:srgbClr val="707070"/>
+                </a:solidFill>
+                <a:ea typeface="Roboto Cn" pitchFamily="2" charset="0"/>
+              </a:rPr>
+              <a:t>распределенность</a:t>
+            </a:r>
+            <a:r>
+              <a:rPr lang="ru-RU" sz="2400" dirty="0">
+                <a:solidFill>
+                  <a:srgbClr val="707070"/>
+                </a:solidFill>
+                <a:ea typeface="Roboto Cn" pitchFamily="2" charset="0"/>
+              </a:rPr>
+              <a:t> офисов (удаленные сотрудники) и цифровизация экономики при очевидном удобстве первых версий продукта неизбежно привлечет участников в проект. </a:t>
             </a:r>
           </a:p>
         </p:txBody>
@@ -6789,8 +6840,8 @@
         </p:nvSpPr>
         <p:spPr>
           <a:xfrm>
-            <a:off x="1691665" y="1548607"/>
-            <a:ext cx="9073213" cy="796925"/>
+            <a:off x="1691665" y="147485"/>
+            <a:ext cx="9073213" cy="1975230"/>
           </a:xfrm>
           <a:prstGeom prst="rect">
             <a:avLst/>
